--- a/ppt 16-9/0507.我们祈祷.pptx
+++ b/ppt 16-9/0507.我们祈祷.pptx
@@ -129,7 +129,7 @@
           <p:cNvPr id="2" name="标题 1">
             <a:extLst>
               <a:ext uri="{FF2B5EF4-FFF2-40B4-BE49-F238E27FC236}">
-                <a16:creationId xmlns:a16="http://schemas.microsoft.com/office/drawing/2014/main" id="{B67CB46B-E50E-0B8F-D0E4-A75FD417A896}"/>
+                <a16:creationId xmlns:a16="http://schemas.microsoft.com/office/drawing/2014/main" id="{1E3C0164-EA32-7596-12C8-35DB14A6CF9F}"/>
               </a:ext>
             </a:extLst>
           </p:cNvPr>
@@ -166,7 +166,7 @@
           <p:cNvPr id="3" name="副标题 2">
             <a:extLst>
               <a:ext uri="{FF2B5EF4-FFF2-40B4-BE49-F238E27FC236}">
-                <a16:creationId xmlns:a16="http://schemas.microsoft.com/office/drawing/2014/main" id="{756395F0-4675-A24E-3517-A66EF15ED328}"/>
+                <a16:creationId xmlns:a16="http://schemas.microsoft.com/office/drawing/2014/main" id="{48087329-CFCB-5EC2-2F13-41788BCC1953}"/>
               </a:ext>
             </a:extLst>
           </p:cNvPr>
@@ -236,7 +236,7 @@
           <p:cNvPr id="4" name="日期占位符 3">
             <a:extLst>
               <a:ext uri="{FF2B5EF4-FFF2-40B4-BE49-F238E27FC236}">
-                <a16:creationId xmlns:a16="http://schemas.microsoft.com/office/drawing/2014/main" id="{CB2F7DDB-47DB-756F-1759-D8AFCC63DF84}"/>
+                <a16:creationId xmlns:a16="http://schemas.microsoft.com/office/drawing/2014/main" id="{A813EEAF-2318-BF54-85B1-BFC0276E2447}"/>
               </a:ext>
             </a:extLst>
           </p:cNvPr>
@@ -252,7 +252,7 @@
           <a:bodyPr/>
           <a:lstStyle/>
           <a:p>
-            <a:fld id="{77D8F260-A119-404A-B40D-B08D41C7691C}" type="datetimeFigureOut">
+            <a:fld id="{32465324-A4DC-4B9D-A1D4-07D4A38D65E2}" type="datetimeFigureOut">
               <a:rPr lang="zh-CN" altLang="en-US" smtClean="0"/>
               <a:t>2024/3/10</a:t>
             </a:fld>
@@ -265,7 +265,7 @@
           <p:cNvPr id="5" name="页脚占位符 4">
             <a:extLst>
               <a:ext uri="{FF2B5EF4-FFF2-40B4-BE49-F238E27FC236}">
-                <a16:creationId xmlns:a16="http://schemas.microsoft.com/office/drawing/2014/main" id="{274603F8-392B-1E00-3B24-630F4BEAD4CE}"/>
+                <a16:creationId xmlns:a16="http://schemas.microsoft.com/office/drawing/2014/main" id="{7FE37497-7413-6FC7-C1FA-940A289DE8C7}"/>
               </a:ext>
             </a:extLst>
           </p:cNvPr>
@@ -290,7 +290,7 @@
           <p:cNvPr id="6" name="灯片编号占位符 5">
             <a:extLst>
               <a:ext uri="{FF2B5EF4-FFF2-40B4-BE49-F238E27FC236}">
-                <a16:creationId xmlns:a16="http://schemas.microsoft.com/office/drawing/2014/main" id="{DFB1F33E-671D-73F4-B811-C992907CAA1C}"/>
+                <a16:creationId xmlns:a16="http://schemas.microsoft.com/office/drawing/2014/main" id="{62303E7D-8822-9F92-4A06-DD0869BF6666}"/>
               </a:ext>
             </a:extLst>
           </p:cNvPr>
@@ -306,7 +306,7 @@
           <a:bodyPr/>
           <a:lstStyle/>
           <a:p>
-            <a:fld id="{5A05DAF9-17DB-46BD-9810-3CB99CEDB5BA}" type="slidenum">
+            <a:fld id="{8100F979-397A-45B7-8257-9C9ECCC974C7}" type="slidenum">
               <a:rPr lang="zh-CN" altLang="en-US" smtClean="0"/>
               <a:t>‹#›</a:t>
             </a:fld>
@@ -317,7 +317,7 @@
     </p:spTree>
     <p:extLst>
       <p:ext uri="{BB962C8B-B14F-4D97-AF65-F5344CB8AC3E}">
-        <p14:creationId xmlns:p14="http://schemas.microsoft.com/office/powerpoint/2010/main" val="4189936047"/>
+        <p14:creationId xmlns:p14="http://schemas.microsoft.com/office/powerpoint/2010/main" val="2620252334"/>
       </p:ext>
     </p:extLst>
   </p:cSld>
@@ -349,7 +349,7 @@
           <p:cNvPr id="2" name="标题 1">
             <a:extLst>
               <a:ext uri="{FF2B5EF4-FFF2-40B4-BE49-F238E27FC236}">
-                <a16:creationId xmlns:a16="http://schemas.microsoft.com/office/drawing/2014/main" id="{EADA6BC1-E0AB-9C64-0D34-6207E2547AFE}"/>
+                <a16:creationId xmlns:a16="http://schemas.microsoft.com/office/drawing/2014/main" id="{183C3ACF-E112-8551-E327-70DEEB8513F2}"/>
               </a:ext>
             </a:extLst>
           </p:cNvPr>
@@ -377,7 +377,7 @@
           <p:cNvPr id="3" name="竖排文字占位符 2">
             <a:extLst>
               <a:ext uri="{FF2B5EF4-FFF2-40B4-BE49-F238E27FC236}">
-                <a16:creationId xmlns:a16="http://schemas.microsoft.com/office/drawing/2014/main" id="{292D6A1D-673C-3808-253E-808E2EF3184B}"/>
+                <a16:creationId xmlns:a16="http://schemas.microsoft.com/office/drawing/2014/main" id="{EC7018C2-E4F6-9FB0-855B-CDA24C33DA55}"/>
               </a:ext>
             </a:extLst>
           </p:cNvPr>
@@ -434,7 +434,7 @@
           <p:cNvPr id="4" name="日期占位符 3">
             <a:extLst>
               <a:ext uri="{FF2B5EF4-FFF2-40B4-BE49-F238E27FC236}">
-                <a16:creationId xmlns:a16="http://schemas.microsoft.com/office/drawing/2014/main" id="{30503740-79DE-8E8F-B989-CD89572C68BA}"/>
+                <a16:creationId xmlns:a16="http://schemas.microsoft.com/office/drawing/2014/main" id="{CBB08E4C-F841-06EE-B6DD-0906CFD3DFF2}"/>
               </a:ext>
             </a:extLst>
           </p:cNvPr>
@@ -450,7 +450,7 @@
           <a:bodyPr/>
           <a:lstStyle/>
           <a:p>
-            <a:fld id="{77D8F260-A119-404A-B40D-B08D41C7691C}" type="datetimeFigureOut">
+            <a:fld id="{32465324-A4DC-4B9D-A1D4-07D4A38D65E2}" type="datetimeFigureOut">
               <a:rPr lang="zh-CN" altLang="en-US" smtClean="0"/>
               <a:t>2024/3/10</a:t>
             </a:fld>
@@ -463,7 +463,7 @@
           <p:cNvPr id="5" name="页脚占位符 4">
             <a:extLst>
               <a:ext uri="{FF2B5EF4-FFF2-40B4-BE49-F238E27FC236}">
-                <a16:creationId xmlns:a16="http://schemas.microsoft.com/office/drawing/2014/main" id="{FE1D5CFA-3848-B453-A4BE-472A6DC902E8}"/>
+                <a16:creationId xmlns:a16="http://schemas.microsoft.com/office/drawing/2014/main" id="{0597D0C8-DF39-CB03-95EC-82736BFCCBED}"/>
               </a:ext>
             </a:extLst>
           </p:cNvPr>
@@ -488,7 +488,7 @@
           <p:cNvPr id="6" name="灯片编号占位符 5">
             <a:extLst>
               <a:ext uri="{FF2B5EF4-FFF2-40B4-BE49-F238E27FC236}">
-                <a16:creationId xmlns:a16="http://schemas.microsoft.com/office/drawing/2014/main" id="{5BD6263C-C8F9-B7F4-47C3-8177C6C26BB8}"/>
+                <a16:creationId xmlns:a16="http://schemas.microsoft.com/office/drawing/2014/main" id="{54B8975D-2520-6646-1D8A-DB30EA6E3B97}"/>
               </a:ext>
             </a:extLst>
           </p:cNvPr>
@@ -504,7 +504,7 @@
           <a:bodyPr/>
           <a:lstStyle/>
           <a:p>
-            <a:fld id="{5A05DAF9-17DB-46BD-9810-3CB99CEDB5BA}" type="slidenum">
+            <a:fld id="{8100F979-397A-45B7-8257-9C9ECCC974C7}" type="slidenum">
               <a:rPr lang="zh-CN" altLang="en-US" smtClean="0"/>
               <a:t>‹#›</a:t>
             </a:fld>
@@ -515,7 +515,7 @@
     </p:spTree>
     <p:extLst>
       <p:ext uri="{BB962C8B-B14F-4D97-AF65-F5344CB8AC3E}">
-        <p14:creationId xmlns:p14="http://schemas.microsoft.com/office/powerpoint/2010/main" val="3435086719"/>
+        <p14:creationId xmlns:p14="http://schemas.microsoft.com/office/powerpoint/2010/main" val="1223919702"/>
       </p:ext>
     </p:extLst>
   </p:cSld>
@@ -547,7 +547,7 @@
           <p:cNvPr id="2" name="竖排标题 1">
             <a:extLst>
               <a:ext uri="{FF2B5EF4-FFF2-40B4-BE49-F238E27FC236}">
-                <a16:creationId xmlns:a16="http://schemas.microsoft.com/office/drawing/2014/main" id="{81EBC23D-54C9-1771-C1CF-32DC46C1D3AE}"/>
+                <a16:creationId xmlns:a16="http://schemas.microsoft.com/office/drawing/2014/main" id="{2EC2951F-F799-1C32-BC8B-14FAB1993D5D}"/>
               </a:ext>
             </a:extLst>
           </p:cNvPr>
@@ -580,7 +580,7 @@
           <p:cNvPr id="3" name="竖排文字占位符 2">
             <a:extLst>
               <a:ext uri="{FF2B5EF4-FFF2-40B4-BE49-F238E27FC236}">
-                <a16:creationId xmlns:a16="http://schemas.microsoft.com/office/drawing/2014/main" id="{4481128C-F40A-3D6F-B649-B27462BFAD7C}"/>
+                <a16:creationId xmlns:a16="http://schemas.microsoft.com/office/drawing/2014/main" id="{105FC303-F909-0B19-A530-6999DA13B6FD}"/>
               </a:ext>
             </a:extLst>
           </p:cNvPr>
@@ -642,7 +642,7 @@
           <p:cNvPr id="4" name="日期占位符 3">
             <a:extLst>
               <a:ext uri="{FF2B5EF4-FFF2-40B4-BE49-F238E27FC236}">
-                <a16:creationId xmlns:a16="http://schemas.microsoft.com/office/drawing/2014/main" id="{B528A16E-4BBA-F109-01DA-A63AF0086425}"/>
+                <a16:creationId xmlns:a16="http://schemas.microsoft.com/office/drawing/2014/main" id="{34CF3231-FB88-D66A-474B-26E6460CF2EC}"/>
               </a:ext>
             </a:extLst>
           </p:cNvPr>
@@ -658,7 +658,7 @@
           <a:bodyPr/>
           <a:lstStyle/>
           <a:p>
-            <a:fld id="{77D8F260-A119-404A-B40D-B08D41C7691C}" type="datetimeFigureOut">
+            <a:fld id="{32465324-A4DC-4B9D-A1D4-07D4A38D65E2}" type="datetimeFigureOut">
               <a:rPr lang="zh-CN" altLang="en-US" smtClean="0"/>
               <a:t>2024/3/10</a:t>
             </a:fld>
@@ -671,7 +671,7 @@
           <p:cNvPr id="5" name="页脚占位符 4">
             <a:extLst>
               <a:ext uri="{FF2B5EF4-FFF2-40B4-BE49-F238E27FC236}">
-                <a16:creationId xmlns:a16="http://schemas.microsoft.com/office/drawing/2014/main" id="{FFAC0C06-DD60-6100-D75B-F7BE8B414977}"/>
+                <a16:creationId xmlns:a16="http://schemas.microsoft.com/office/drawing/2014/main" id="{E7A2F7B6-779B-6C64-59AE-29C27BA88CE9}"/>
               </a:ext>
             </a:extLst>
           </p:cNvPr>
@@ -696,7 +696,7 @@
           <p:cNvPr id="6" name="灯片编号占位符 5">
             <a:extLst>
               <a:ext uri="{FF2B5EF4-FFF2-40B4-BE49-F238E27FC236}">
-                <a16:creationId xmlns:a16="http://schemas.microsoft.com/office/drawing/2014/main" id="{12AC17C7-3C90-9194-7ACD-8EA3FC40A871}"/>
+                <a16:creationId xmlns:a16="http://schemas.microsoft.com/office/drawing/2014/main" id="{6054C632-B0CF-207E-0256-0EDAF7EB2F6A}"/>
               </a:ext>
             </a:extLst>
           </p:cNvPr>
@@ -712,7 +712,7 @@
           <a:bodyPr/>
           <a:lstStyle/>
           <a:p>
-            <a:fld id="{5A05DAF9-17DB-46BD-9810-3CB99CEDB5BA}" type="slidenum">
+            <a:fld id="{8100F979-397A-45B7-8257-9C9ECCC974C7}" type="slidenum">
               <a:rPr lang="zh-CN" altLang="en-US" smtClean="0"/>
               <a:t>‹#›</a:t>
             </a:fld>
@@ -723,7 +723,7 @@
     </p:spTree>
     <p:extLst>
       <p:ext uri="{BB962C8B-B14F-4D97-AF65-F5344CB8AC3E}">
-        <p14:creationId xmlns:p14="http://schemas.microsoft.com/office/powerpoint/2010/main" val="3580745680"/>
+        <p14:creationId xmlns:p14="http://schemas.microsoft.com/office/powerpoint/2010/main" val="4225139969"/>
       </p:ext>
     </p:extLst>
   </p:cSld>
@@ -755,7 +755,7 @@
           <p:cNvPr id="2" name="标题 1">
             <a:extLst>
               <a:ext uri="{FF2B5EF4-FFF2-40B4-BE49-F238E27FC236}">
-                <a16:creationId xmlns:a16="http://schemas.microsoft.com/office/drawing/2014/main" id="{54987D08-BE76-5C8B-C3A7-B14240DC4AA1}"/>
+                <a16:creationId xmlns:a16="http://schemas.microsoft.com/office/drawing/2014/main" id="{6A2EAF4F-78F6-3696-775A-A0DFDEEF2A0F}"/>
               </a:ext>
             </a:extLst>
           </p:cNvPr>
@@ -783,7 +783,7 @@
           <p:cNvPr id="3" name="内容占位符 2">
             <a:extLst>
               <a:ext uri="{FF2B5EF4-FFF2-40B4-BE49-F238E27FC236}">
-                <a16:creationId xmlns:a16="http://schemas.microsoft.com/office/drawing/2014/main" id="{950E9EB0-1905-3ED9-740B-B7444008EF6C}"/>
+                <a16:creationId xmlns:a16="http://schemas.microsoft.com/office/drawing/2014/main" id="{37B603A0-62C7-D0A7-D950-947B064A842E}"/>
               </a:ext>
             </a:extLst>
           </p:cNvPr>
@@ -840,7 +840,7 @@
           <p:cNvPr id="4" name="日期占位符 3">
             <a:extLst>
               <a:ext uri="{FF2B5EF4-FFF2-40B4-BE49-F238E27FC236}">
-                <a16:creationId xmlns:a16="http://schemas.microsoft.com/office/drawing/2014/main" id="{9F561849-EAC5-6CD3-5850-8156BE3F65AF}"/>
+                <a16:creationId xmlns:a16="http://schemas.microsoft.com/office/drawing/2014/main" id="{374F02DA-3D33-6823-882A-8F95B8E47F59}"/>
               </a:ext>
             </a:extLst>
           </p:cNvPr>
@@ -856,7 +856,7 @@
           <a:bodyPr/>
           <a:lstStyle/>
           <a:p>
-            <a:fld id="{77D8F260-A119-404A-B40D-B08D41C7691C}" type="datetimeFigureOut">
+            <a:fld id="{32465324-A4DC-4B9D-A1D4-07D4A38D65E2}" type="datetimeFigureOut">
               <a:rPr lang="zh-CN" altLang="en-US" smtClean="0"/>
               <a:t>2024/3/10</a:t>
             </a:fld>
@@ -869,7 +869,7 @@
           <p:cNvPr id="5" name="页脚占位符 4">
             <a:extLst>
               <a:ext uri="{FF2B5EF4-FFF2-40B4-BE49-F238E27FC236}">
-                <a16:creationId xmlns:a16="http://schemas.microsoft.com/office/drawing/2014/main" id="{F3E333C8-E4FA-3BEA-FBF4-29E3227AB2B2}"/>
+                <a16:creationId xmlns:a16="http://schemas.microsoft.com/office/drawing/2014/main" id="{1D83D486-BA40-EEEB-C1ED-5D9EC27113F6}"/>
               </a:ext>
             </a:extLst>
           </p:cNvPr>
@@ -894,7 +894,7 @@
           <p:cNvPr id="6" name="灯片编号占位符 5">
             <a:extLst>
               <a:ext uri="{FF2B5EF4-FFF2-40B4-BE49-F238E27FC236}">
-                <a16:creationId xmlns:a16="http://schemas.microsoft.com/office/drawing/2014/main" id="{9A6A8FFC-2B9C-9B31-22EC-FA7597F446E7}"/>
+                <a16:creationId xmlns:a16="http://schemas.microsoft.com/office/drawing/2014/main" id="{D5007FED-DBD5-44CB-526D-FCC5301A0728}"/>
               </a:ext>
             </a:extLst>
           </p:cNvPr>
@@ -910,7 +910,7 @@
           <a:bodyPr/>
           <a:lstStyle/>
           <a:p>
-            <a:fld id="{5A05DAF9-17DB-46BD-9810-3CB99CEDB5BA}" type="slidenum">
+            <a:fld id="{8100F979-397A-45B7-8257-9C9ECCC974C7}" type="slidenum">
               <a:rPr lang="zh-CN" altLang="en-US" smtClean="0"/>
               <a:t>‹#›</a:t>
             </a:fld>
@@ -921,7 +921,7 @@
     </p:spTree>
     <p:extLst>
       <p:ext uri="{BB962C8B-B14F-4D97-AF65-F5344CB8AC3E}">
-        <p14:creationId xmlns:p14="http://schemas.microsoft.com/office/powerpoint/2010/main" val="995013845"/>
+        <p14:creationId xmlns:p14="http://schemas.microsoft.com/office/powerpoint/2010/main" val="1076096256"/>
       </p:ext>
     </p:extLst>
   </p:cSld>
@@ -953,7 +953,7 @@
           <p:cNvPr id="2" name="标题 1">
             <a:extLst>
               <a:ext uri="{FF2B5EF4-FFF2-40B4-BE49-F238E27FC236}">
-                <a16:creationId xmlns:a16="http://schemas.microsoft.com/office/drawing/2014/main" id="{4775FB65-06EC-F5BA-AE1D-87C781BB5864}"/>
+                <a16:creationId xmlns:a16="http://schemas.microsoft.com/office/drawing/2014/main" id="{4F8862DD-E42B-72E0-E5C3-043495EE9DCD}"/>
               </a:ext>
             </a:extLst>
           </p:cNvPr>
@@ -990,7 +990,7 @@
           <p:cNvPr id="3" name="文本占位符 2">
             <a:extLst>
               <a:ext uri="{FF2B5EF4-FFF2-40B4-BE49-F238E27FC236}">
-                <a16:creationId xmlns:a16="http://schemas.microsoft.com/office/drawing/2014/main" id="{964A1543-C29E-7A9E-7E43-9C4FD40920B1}"/>
+                <a16:creationId xmlns:a16="http://schemas.microsoft.com/office/drawing/2014/main" id="{BF708ED7-CF2F-8C6E-A931-7F7FF3E8C74F}"/>
               </a:ext>
             </a:extLst>
           </p:cNvPr>
@@ -1115,7 +1115,7 @@
           <p:cNvPr id="4" name="日期占位符 3">
             <a:extLst>
               <a:ext uri="{FF2B5EF4-FFF2-40B4-BE49-F238E27FC236}">
-                <a16:creationId xmlns:a16="http://schemas.microsoft.com/office/drawing/2014/main" id="{DFE744B8-3FD2-13AD-CB12-153DCB9EDCFF}"/>
+                <a16:creationId xmlns:a16="http://schemas.microsoft.com/office/drawing/2014/main" id="{02856E6D-073E-4AB5-6C50-69FEBF09DD69}"/>
               </a:ext>
             </a:extLst>
           </p:cNvPr>
@@ -1131,7 +1131,7 @@
           <a:bodyPr/>
           <a:lstStyle/>
           <a:p>
-            <a:fld id="{77D8F260-A119-404A-B40D-B08D41C7691C}" type="datetimeFigureOut">
+            <a:fld id="{32465324-A4DC-4B9D-A1D4-07D4A38D65E2}" type="datetimeFigureOut">
               <a:rPr lang="zh-CN" altLang="en-US" smtClean="0"/>
               <a:t>2024/3/10</a:t>
             </a:fld>
@@ -1144,7 +1144,7 @@
           <p:cNvPr id="5" name="页脚占位符 4">
             <a:extLst>
               <a:ext uri="{FF2B5EF4-FFF2-40B4-BE49-F238E27FC236}">
-                <a16:creationId xmlns:a16="http://schemas.microsoft.com/office/drawing/2014/main" id="{DC3A3EB4-E4AC-0AF7-1383-77A25EBABE07}"/>
+                <a16:creationId xmlns:a16="http://schemas.microsoft.com/office/drawing/2014/main" id="{85B31710-7670-D3C6-E574-1E502B87E016}"/>
               </a:ext>
             </a:extLst>
           </p:cNvPr>
@@ -1169,7 +1169,7 @@
           <p:cNvPr id="6" name="灯片编号占位符 5">
             <a:extLst>
               <a:ext uri="{FF2B5EF4-FFF2-40B4-BE49-F238E27FC236}">
-                <a16:creationId xmlns:a16="http://schemas.microsoft.com/office/drawing/2014/main" id="{FDFC05E3-1692-8F7C-00B8-3DEF999AB2E9}"/>
+                <a16:creationId xmlns:a16="http://schemas.microsoft.com/office/drawing/2014/main" id="{4F171778-A45F-EE96-A195-3FC74C3AEC3B}"/>
               </a:ext>
             </a:extLst>
           </p:cNvPr>
@@ -1185,7 +1185,7 @@
           <a:bodyPr/>
           <a:lstStyle/>
           <a:p>
-            <a:fld id="{5A05DAF9-17DB-46BD-9810-3CB99CEDB5BA}" type="slidenum">
+            <a:fld id="{8100F979-397A-45B7-8257-9C9ECCC974C7}" type="slidenum">
               <a:rPr lang="zh-CN" altLang="en-US" smtClean="0"/>
               <a:t>‹#›</a:t>
             </a:fld>
@@ -1196,7 +1196,7 @@
     </p:spTree>
     <p:extLst>
       <p:ext uri="{BB962C8B-B14F-4D97-AF65-F5344CB8AC3E}">
-        <p14:creationId xmlns:p14="http://schemas.microsoft.com/office/powerpoint/2010/main" val="4125581403"/>
+        <p14:creationId xmlns:p14="http://schemas.microsoft.com/office/powerpoint/2010/main" val="4253028969"/>
       </p:ext>
     </p:extLst>
   </p:cSld>
@@ -1228,7 +1228,7 @@
           <p:cNvPr id="2" name="标题 1">
             <a:extLst>
               <a:ext uri="{FF2B5EF4-FFF2-40B4-BE49-F238E27FC236}">
-                <a16:creationId xmlns:a16="http://schemas.microsoft.com/office/drawing/2014/main" id="{265A1B98-F8C1-D1ED-98F7-A57A1BB6080B}"/>
+                <a16:creationId xmlns:a16="http://schemas.microsoft.com/office/drawing/2014/main" id="{DF6E5414-6272-5C3C-6EE1-72809F59D856}"/>
               </a:ext>
             </a:extLst>
           </p:cNvPr>
@@ -1256,7 +1256,7 @@
           <p:cNvPr id="3" name="内容占位符 2">
             <a:extLst>
               <a:ext uri="{FF2B5EF4-FFF2-40B4-BE49-F238E27FC236}">
-                <a16:creationId xmlns:a16="http://schemas.microsoft.com/office/drawing/2014/main" id="{2A40259C-67FB-1BF2-9654-1C08560A7CFA}"/>
+                <a16:creationId xmlns:a16="http://schemas.microsoft.com/office/drawing/2014/main" id="{F1421178-4279-238D-D933-A3CCC5C441D1}"/>
               </a:ext>
             </a:extLst>
           </p:cNvPr>
@@ -1318,7 +1318,7 @@
           <p:cNvPr id="4" name="内容占位符 3">
             <a:extLst>
               <a:ext uri="{FF2B5EF4-FFF2-40B4-BE49-F238E27FC236}">
-                <a16:creationId xmlns:a16="http://schemas.microsoft.com/office/drawing/2014/main" id="{085A6A5B-F157-ED5E-C2CB-E95C1E6EBA88}"/>
+                <a16:creationId xmlns:a16="http://schemas.microsoft.com/office/drawing/2014/main" id="{137280C0-D5AC-25E7-F8CA-1F0DF02076E7}"/>
               </a:ext>
             </a:extLst>
           </p:cNvPr>
@@ -1380,7 +1380,7 @@
           <p:cNvPr id="5" name="日期占位符 4">
             <a:extLst>
               <a:ext uri="{FF2B5EF4-FFF2-40B4-BE49-F238E27FC236}">
-                <a16:creationId xmlns:a16="http://schemas.microsoft.com/office/drawing/2014/main" id="{48C94FC2-D9BB-5546-EB4B-028DA830EEBB}"/>
+                <a16:creationId xmlns:a16="http://schemas.microsoft.com/office/drawing/2014/main" id="{8B70A282-F295-0A7C-28EE-4646DE3DCD5C}"/>
               </a:ext>
             </a:extLst>
           </p:cNvPr>
@@ -1396,7 +1396,7 @@
           <a:bodyPr/>
           <a:lstStyle/>
           <a:p>
-            <a:fld id="{77D8F260-A119-404A-B40D-B08D41C7691C}" type="datetimeFigureOut">
+            <a:fld id="{32465324-A4DC-4B9D-A1D4-07D4A38D65E2}" type="datetimeFigureOut">
               <a:rPr lang="zh-CN" altLang="en-US" smtClean="0"/>
               <a:t>2024/3/10</a:t>
             </a:fld>
@@ -1409,7 +1409,7 @@
           <p:cNvPr id="6" name="页脚占位符 5">
             <a:extLst>
               <a:ext uri="{FF2B5EF4-FFF2-40B4-BE49-F238E27FC236}">
-                <a16:creationId xmlns:a16="http://schemas.microsoft.com/office/drawing/2014/main" id="{8DC5477F-B961-7284-4ED3-167FA91A8941}"/>
+                <a16:creationId xmlns:a16="http://schemas.microsoft.com/office/drawing/2014/main" id="{F8D92B01-EA0B-11B9-7E2A-8827F60D419C}"/>
               </a:ext>
             </a:extLst>
           </p:cNvPr>
@@ -1434,7 +1434,7 @@
           <p:cNvPr id="7" name="灯片编号占位符 6">
             <a:extLst>
               <a:ext uri="{FF2B5EF4-FFF2-40B4-BE49-F238E27FC236}">
-                <a16:creationId xmlns:a16="http://schemas.microsoft.com/office/drawing/2014/main" id="{34556ECB-6AAA-5F02-E050-88E07324CB94}"/>
+                <a16:creationId xmlns:a16="http://schemas.microsoft.com/office/drawing/2014/main" id="{59492B4E-4974-5781-99D1-588BF356A376}"/>
               </a:ext>
             </a:extLst>
           </p:cNvPr>
@@ -1450,7 +1450,7 @@
           <a:bodyPr/>
           <a:lstStyle/>
           <a:p>
-            <a:fld id="{5A05DAF9-17DB-46BD-9810-3CB99CEDB5BA}" type="slidenum">
+            <a:fld id="{8100F979-397A-45B7-8257-9C9ECCC974C7}" type="slidenum">
               <a:rPr lang="zh-CN" altLang="en-US" smtClean="0"/>
               <a:t>‹#›</a:t>
             </a:fld>
@@ -1461,7 +1461,7 @@
     </p:spTree>
     <p:extLst>
       <p:ext uri="{BB962C8B-B14F-4D97-AF65-F5344CB8AC3E}">
-        <p14:creationId xmlns:p14="http://schemas.microsoft.com/office/powerpoint/2010/main" val="1226561603"/>
+        <p14:creationId xmlns:p14="http://schemas.microsoft.com/office/powerpoint/2010/main" val="3656180735"/>
       </p:ext>
     </p:extLst>
   </p:cSld>
@@ -1493,7 +1493,7 @@
           <p:cNvPr id="2" name="标题 1">
             <a:extLst>
               <a:ext uri="{FF2B5EF4-FFF2-40B4-BE49-F238E27FC236}">
-                <a16:creationId xmlns:a16="http://schemas.microsoft.com/office/drawing/2014/main" id="{BC56A5B8-6493-8AB1-0F03-6F69B452F99E}"/>
+                <a16:creationId xmlns:a16="http://schemas.microsoft.com/office/drawing/2014/main" id="{ED158ACF-E7FB-170E-A61D-96CFE8892E63}"/>
               </a:ext>
             </a:extLst>
           </p:cNvPr>
@@ -1526,7 +1526,7 @@
           <p:cNvPr id="3" name="文本占位符 2">
             <a:extLst>
               <a:ext uri="{FF2B5EF4-FFF2-40B4-BE49-F238E27FC236}">
-                <a16:creationId xmlns:a16="http://schemas.microsoft.com/office/drawing/2014/main" id="{628003A9-26CC-8B25-DDB0-EE5C87342538}"/>
+                <a16:creationId xmlns:a16="http://schemas.microsoft.com/office/drawing/2014/main" id="{FCC3622C-B885-AC49-854D-D13E671945E1}"/>
               </a:ext>
             </a:extLst>
           </p:cNvPr>
@@ -1597,7 +1597,7 @@
           <p:cNvPr id="4" name="内容占位符 3">
             <a:extLst>
               <a:ext uri="{FF2B5EF4-FFF2-40B4-BE49-F238E27FC236}">
-                <a16:creationId xmlns:a16="http://schemas.microsoft.com/office/drawing/2014/main" id="{E6890F11-6F5A-116B-3B21-8446A97D6122}"/>
+                <a16:creationId xmlns:a16="http://schemas.microsoft.com/office/drawing/2014/main" id="{2FA48F80-43A2-3942-BEEF-57A5E7988B9C}"/>
               </a:ext>
             </a:extLst>
           </p:cNvPr>
@@ -1659,7 +1659,7 @@
           <p:cNvPr id="5" name="文本占位符 4">
             <a:extLst>
               <a:ext uri="{FF2B5EF4-FFF2-40B4-BE49-F238E27FC236}">
-                <a16:creationId xmlns:a16="http://schemas.microsoft.com/office/drawing/2014/main" id="{90720B63-3329-A0C8-34BE-816A61C56EB9}"/>
+                <a16:creationId xmlns:a16="http://schemas.microsoft.com/office/drawing/2014/main" id="{E691B084-AC46-34DC-425D-54F990A61178}"/>
               </a:ext>
             </a:extLst>
           </p:cNvPr>
@@ -1730,7 +1730,7 @@
           <p:cNvPr id="6" name="内容占位符 5">
             <a:extLst>
               <a:ext uri="{FF2B5EF4-FFF2-40B4-BE49-F238E27FC236}">
-                <a16:creationId xmlns:a16="http://schemas.microsoft.com/office/drawing/2014/main" id="{9C6BD5B2-BC19-6459-F8B6-8CBC629C3975}"/>
+                <a16:creationId xmlns:a16="http://schemas.microsoft.com/office/drawing/2014/main" id="{C636CBFD-5D39-081F-42F0-E9A32B0255E0}"/>
               </a:ext>
             </a:extLst>
           </p:cNvPr>
@@ -1792,7 +1792,7 @@
           <p:cNvPr id="7" name="日期占位符 6">
             <a:extLst>
               <a:ext uri="{FF2B5EF4-FFF2-40B4-BE49-F238E27FC236}">
-                <a16:creationId xmlns:a16="http://schemas.microsoft.com/office/drawing/2014/main" id="{29F92302-CAA0-6940-040A-9683A0EC6218}"/>
+                <a16:creationId xmlns:a16="http://schemas.microsoft.com/office/drawing/2014/main" id="{02F9A6E3-6901-7D7B-A2F9-F3546359D9EF}"/>
               </a:ext>
             </a:extLst>
           </p:cNvPr>
@@ -1808,7 +1808,7 @@
           <a:bodyPr/>
           <a:lstStyle/>
           <a:p>
-            <a:fld id="{77D8F260-A119-404A-B40D-B08D41C7691C}" type="datetimeFigureOut">
+            <a:fld id="{32465324-A4DC-4B9D-A1D4-07D4A38D65E2}" type="datetimeFigureOut">
               <a:rPr lang="zh-CN" altLang="en-US" smtClean="0"/>
               <a:t>2024/3/10</a:t>
             </a:fld>
@@ -1821,7 +1821,7 @@
           <p:cNvPr id="8" name="页脚占位符 7">
             <a:extLst>
               <a:ext uri="{FF2B5EF4-FFF2-40B4-BE49-F238E27FC236}">
-                <a16:creationId xmlns:a16="http://schemas.microsoft.com/office/drawing/2014/main" id="{58B4F587-3465-1C89-28D5-1F1DF418086A}"/>
+                <a16:creationId xmlns:a16="http://schemas.microsoft.com/office/drawing/2014/main" id="{CF514498-66B5-5A48-64A4-08A504D5CF22}"/>
               </a:ext>
             </a:extLst>
           </p:cNvPr>
@@ -1846,7 +1846,7 @@
           <p:cNvPr id="9" name="灯片编号占位符 8">
             <a:extLst>
               <a:ext uri="{FF2B5EF4-FFF2-40B4-BE49-F238E27FC236}">
-                <a16:creationId xmlns:a16="http://schemas.microsoft.com/office/drawing/2014/main" id="{9FE21280-1940-C895-DD00-C9EFB6B7B69D}"/>
+                <a16:creationId xmlns:a16="http://schemas.microsoft.com/office/drawing/2014/main" id="{C08948AA-5ED6-7F31-F6A7-DA209D35F689}"/>
               </a:ext>
             </a:extLst>
           </p:cNvPr>
@@ -1862,7 +1862,7 @@
           <a:bodyPr/>
           <a:lstStyle/>
           <a:p>
-            <a:fld id="{5A05DAF9-17DB-46BD-9810-3CB99CEDB5BA}" type="slidenum">
+            <a:fld id="{8100F979-397A-45B7-8257-9C9ECCC974C7}" type="slidenum">
               <a:rPr lang="zh-CN" altLang="en-US" smtClean="0"/>
               <a:t>‹#›</a:t>
             </a:fld>
@@ -1873,7 +1873,7 @@
     </p:spTree>
     <p:extLst>
       <p:ext uri="{BB962C8B-B14F-4D97-AF65-F5344CB8AC3E}">
-        <p14:creationId xmlns:p14="http://schemas.microsoft.com/office/powerpoint/2010/main" val="138611580"/>
+        <p14:creationId xmlns:p14="http://schemas.microsoft.com/office/powerpoint/2010/main" val="2607855390"/>
       </p:ext>
     </p:extLst>
   </p:cSld>
@@ -1905,7 +1905,7 @@
           <p:cNvPr id="2" name="标题 1">
             <a:extLst>
               <a:ext uri="{FF2B5EF4-FFF2-40B4-BE49-F238E27FC236}">
-                <a16:creationId xmlns:a16="http://schemas.microsoft.com/office/drawing/2014/main" id="{3B3D26AB-6F1B-B48D-2A3C-00A5DDC55947}"/>
+                <a16:creationId xmlns:a16="http://schemas.microsoft.com/office/drawing/2014/main" id="{9C1727F1-9B77-38F1-FCB4-C62A47707156}"/>
               </a:ext>
             </a:extLst>
           </p:cNvPr>
@@ -1933,7 +1933,7 @@
           <p:cNvPr id="3" name="日期占位符 2">
             <a:extLst>
               <a:ext uri="{FF2B5EF4-FFF2-40B4-BE49-F238E27FC236}">
-                <a16:creationId xmlns:a16="http://schemas.microsoft.com/office/drawing/2014/main" id="{7DECF05B-9AA4-F7B8-C25E-8A5FFD8FE086}"/>
+                <a16:creationId xmlns:a16="http://schemas.microsoft.com/office/drawing/2014/main" id="{06ADE5AE-0C82-D4A5-1CEF-39CEDD97F6B4}"/>
               </a:ext>
             </a:extLst>
           </p:cNvPr>
@@ -1949,7 +1949,7 @@
           <a:bodyPr/>
           <a:lstStyle/>
           <a:p>
-            <a:fld id="{77D8F260-A119-404A-B40D-B08D41C7691C}" type="datetimeFigureOut">
+            <a:fld id="{32465324-A4DC-4B9D-A1D4-07D4A38D65E2}" type="datetimeFigureOut">
               <a:rPr lang="zh-CN" altLang="en-US" smtClean="0"/>
               <a:t>2024/3/10</a:t>
             </a:fld>
@@ -1962,7 +1962,7 @@
           <p:cNvPr id="4" name="页脚占位符 3">
             <a:extLst>
               <a:ext uri="{FF2B5EF4-FFF2-40B4-BE49-F238E27FC236}">
-                <a16:creationId xmlns:a16="http://schemas.microsoft.com/office/drawing/2014/main" id="{B663CECC-BEDE-27C7-32E1-C32A64253A56}"/>
+                <a16:creationId xmlns:a16="http://schemas.microsoft.com/office/drawing/2014/main" id="{D09BA078-2D6F-2D6F-CCDD-EDC9803A4C2F}"/>
               </a:ext>
             </a:extLst>
           </p:cNvPr>
@@ -1987,7 +1987,7 @@
           <p:cNvPr id="5" name="灯片编号占位符 4">
             <a:extLst>
               <a:ext uri="{FF2B5EF4-FFF2-40B4-BE49-F238E27FC236}">
-                <a16:creationId xmlns:a16="http://schemas.microsoft.com/office/drawing/2014/main" id="{27385FD2-4D47-15C5-F1F0-B1DE511CBFD6}"/>
+                <a16:creationId xmlns:a16="http://schemas.microsoft.com/office/drawing/2014/main" id="{8474A40E-51C3-D838-6AAC-27993FD29D94}"/>
               </a:ext>
             </a:extLst>
           </p:cNvPr>
@@ -2003,7 +2003,7 @@
           <a:bodyPr/>
           <a:lstStyle/>
           <a:p>
-            <a:fld id="{5A05DAF9-17DB-46BD-9810-3CB99CEDB5BA}" type="slidenum">
+            <a:fld id="{8100F979-397A-45B7-8257-9C9ECCC974C7}" type="slidenum">
               <a:rPr lang="zh-CN" altLang="en-US" smtClean="0"/>
               <a:t>‹#›</a:t>
             </a:fld>
@@ -2014,7 +2014,7 @@
     </p:spTree>
     <p:extLst>
       <p:ext uri="{BB962C8B-B14F-4D97-AF65-F5344CB8AC3E}">
-        <p14:creationId xmlns:p14="http://schemas.microsoft.com/office/powerpoint/2010/main" val="2849290419"/>
+        <p14:creationId xmlns:p14="http://schemas.microsoft.com/office/powerpoint/2010/main" val="1981219676"/>
       </p:ext>
     </p:extLst>
   </p:cSld>
@@ -2046,7 +2046,7 @@
           <p:cNvPr id="2" name="日期占位符 1">
             <a:extLst>
               <a:ext uri="{FF2B5EF4-FFF2-40B4-BE49-F238E27FC236}">
-                <a16:creationId xmlns:a16="http://schemas.microsoft.com/office/drawing/2014/main" id="{099BB817-2196-30CA-FB9C-2C48A8438D90}"/>
+                <a16:creationId xmlns:a16="http://schemas.microsoft.com/office/drawing/2014/main" id="{EFEE4D50-55E4-9E06-DA9D-9FAB8FE453F0}"/>
               </a:ext>
             </a:extLst>
           </p:cNvPr>
@@ -2062,7 +2062,7 @@
           <a:bodyPr/>
           <a:lstStyle/>
           <a:p>
-            <a:fld id="{77D8F260-A119-404A-B40D-B08D41C7691C}" type="datetimeFigureOut">
+            <a:fld id="{32465324-A4DC-4B9D-A1D4-07D4A38D65E2}" type="datetimeFigureOut">
               <a:rPr lang="zh-CN" altLang="en-US" smtClean="0"/>
               <a:t>2024/3/10</a:t>
             </a:fld>
@@ -2075,7 +2075,7 @@
           <p:cNvPr id="3" name="页脚占位符 2">
             <a:extLst>
               <a:ext uri="{FF2B5EF4-FFF2-40B4-BE49-F238E27FC236}">
-                <a16:creationId xmlns:a16="http://schemas.microsoft.com/office/drawing/2014/main" id="{99495D2B-F874-1E49-2985-0A8C961FD73A}"/>
+                <a16:creationId xmlns:a16="http://schemas.microsoft.com/office/drawing/2014/main" id="{F7D23EDD-3FDF-18BD-50E7-4F490519087F}"/>
               </a:ext>
             </a:extLst>
           </p:cNvPr>
@@ -2100,7 +2100,7 @@
           <p:cNvPr id="4" name="灯片编号占位符 3">
             <a:extLst>
               <a:ext uri="{FF2B5EF4-FFF2-40B4-BE49-F238E27FC236}">
-                <a16:creationId xmlns:a16="http://schemas.microsoft.com/office/drawing/2014/main" id="{4218ACAC-4A95-790B-B6EE-4D6B2D0255C5}"/>
+                <a16:creationId xmlns:a16="http://schemas.microsoft.com/office/drawing/2014/main" id="{46587BBC-7D4E-4168-CDC5-C5077A228B00}"/>
               </a:ext>
             </a:extLst>
           </p:cNvPr>
@@ -2116,7 +2116,7 @@
           <a:bodyPr/>
           <a:lstStyle/>
           <a:p>
-            <a:fld id="{5A05DAF9-17DB-46BD-9810-3CB99CEDB5BA}" type="slidenum">
+            <a:fld id="{8100F979-397A-45B7-8257-9C9ECCC974C7}" type="slidenum">
               <a:rPr lang="zh-CN" altLang="en-US" smtClean="0"/>
               <a:t>‹#›</a:t>
             </a:fld>
@@ -2127,7 +2127,7 @@
     </p:spTree>
     <p:extLst>
       <p:ext uri="{BB962C8B-B14F-4D97-AF65-F5344CB8AC3E}">
-        <p14:creationId xmlns:p14="http://schemas.microsoft.com/office/powerpoint/2010/main" val="3703344758"/>
+        <p14:creationId xmlns:p14="http://schemas.microsoft.com/office/powerpoint/2010/main" val="3541572045"/>
       </p:ext>
     </p:extLst>
   </p:cSld>
@@ -2159,7 +2159,7 @@
           <p:cNvPr id="2" name="标题 1">
             <a:extLst>
               <a:ext uri="{FF2B5EF4-FFF2-40B4-BE49-F238E27FC236}">
-                <a16:creationId xmlns:a16="http://schemas.microsoft.com/office/drawing/2014/main" id="{A5933220-8A6E-64DC-1FEA-8DE95402AFB8}"/>
+                <a16:creationId xmlns:a16="http://schemas.microsoft.com/office/drawing/2014/main" id="{B96219AB-B244-8368-66DE-DFA71CADAA35}"/>
               </a:ext>
             </a:extLst>
           </p:cNvPr>
@@ -2196,7 +2196,7 @@
           <p:cNvPr id="3" name="内容占位符 2">
             <a:extLst>
               <a:ext uri="{FF2B5EF4-FFF2-40B4-BE49-F238E27FC236}">
-                <a16:creationId xmlns:a16="http://schemas.microsoft.com/office/drawing/2014/main" id="{84EE42FE-95DB-6E57-DC9D-E8B6CFDB0AE2}"/>
+                <a16:creationId xmlns:a16="http://schemas.microsoft.com/office/drawing/2014/main" id="{9E3FED31-A1A3-33D8-A288-94FB6ABE1A8D}"/>
               </a:ext>
             </a:extLst>
           </p:cNvPr>
@@ -2286,7 +2286,7 @@
           <p:cNvPr id="4" name="文本占位符 3">
             <a:extLst>
               <a:ext uri="{FF2B5EF4-FFF2-40B4-BE49-F238E27FC236}">
-                <a16:creationId xmlns:a16="http://schemas.microsoft.com/office/drawing/2014/main" id="{47D7D060-E0FE-537B-ED10-F9C99B1411A6}"/>
+                <a16:creationId xmlns:a16="http://schemas.microsoft.com/office/drawing/2014/main" id="{6BFCA21F-03BE-AF11-CE1A-71E3319D1359}"/>
               </a:ext>
             </a:extLst>
           </p:cNvPr>
@@ -2357,7 +2357,7 @@
           <p:cNvPr id="5" name="日期占位符 4">
             <a:extLst>
               <a:ext uri="{FF2B5EF4-FFF2-40B4-BE49-F238E27FC236}">
-                <a16:creationId xmlns:a16="http://schemas.microsoft.com/office/drawing/2014/main" id="{E9E83DC5-74AA-3B97-1234-51417D8C7277}"/>
+                <a16:creationId xmlns:a16="http://schemas.microsoft.com/office/drawing/2014/main" id="{7C14B819-D8C4-1A3A-E487-92071374E64B}"/>
               </a:ext>
             </a:extLst>
           </p:cNvPr>
@@ -2373,7 +2373,7 @@
           <a:bodyPr/>
           <a:lstStyle/>
           <a:p>
-            <a:fld id="{77D8F260-A119-404A-B40D-B08D41C7691C}" type="datetimeFigureOut">
+            <a:fld id="{32465324-A4DC-4B9D-A1D4-07D4A38D65E2}" type="datetimeFigureOut">
               <a:rPr lang="zh-CN" altLang="en-US" smtClean="0"/>
               <a:t>2024/3/10</a:t>
             </a:fld>
@@ -2386,7 +2386,7 @@
           <p:cNvPr id="6" name="页脚占位符 5">
             <a:extLst>
               <a:ext uri="{FF2B5EF4-FFF2-40B4-BE49-F238E27FC236}">
-                <a16:creationId xmlns:a16="http://schemas.microsoft.com/office/drawing/2014/main" id="{A8BE35C7-C0FA-E6CE-F167-1001AA338C2E}"/>
+                <a16:creationId xmlns:a16="http://schemas.microsoft.com/office/drawing/2014/main" id="{FF23D334-B0B6-96BC-F98C-020B9C181A93}"/>
               </a:ext>
             </a:extLst>
           </p:cNvPr>
@@ -2411,7 +2411,7 @@
           <p:cNvPr id="7" name="灯片编号占位符 6">
             <a:extLst>
               <a:ext uri="{FF2B5EF4-FFF2-40B4-BE49-F238E27FC236}">
-                <a16:creationId xmlns:a16="http://schemas.microsoft.com/office/drawing/2014/main" id="{3350460F-AFC2-E223-C055-DF1CB5E0DD3F}"/>
+                <a16:creationId xmlns:a16="http://schemas.microsoft.com/office/drawing/2014/main" id="{565A8FE7-D8B6-2098-783D-B585787D66A1}"/>
               </a:ext>
             </a:extLst>
           </p:cNvPr>
@@ -2427,7 +2427,7 @@
           <a:bodyPr/>
           <a:lstStyle/>
           <a:p>
-            <a:fld id="{5A05DAF9-17DB-46BD-9810-3CB99CEDB5BA}" type="slidenum">
+            <a:fld id="{8100F979-397A-45B7-8257-9C9ECCC974C7}" type="slidenum">
               <a:rPr lang="zh-CN" altLang="en-US" smtClean="0"/>
               <a:t>‹#›</a:t>
             </a:fld>
@@ -2438,7 +2438,7 @@
     </p:spTree>
     <p:extLst>
       <p:ext uri="{BB962C8B-B14F-4D97-AF65-F5344CB8AC3E}">
-        <p14:creationId xmlns:p14="http://schemas.microsoft.com/office/powerpoint/2010/main" val="1452138083"/>
+        <p14:creationId xmlns:p14="http://schemas.microsoft.com/office/powerpoint/2010/main" val="2567678704"/>
       </p:ext>
     </p:extLst>
   </p:cSld>
@@ -2470,7 +2470,7 @@
           <p:cNvPr id="2" name="标题 1">
             <a:extLst>
               <a:ext uri="{FF2B5EF4-FFF2-40B4-BE49-F238E27FC236}">
-                <a16:creationId xmlns:a16="http://schemas.microsoft.com/office/drawing/2014/main" id="{E46737F5-6C3A-E9C1-5401-B9E0A9DA6FB9}"/>
+                <a16:creationId xmlns:a16="http://schemas.microsoft.com/office/drawing/2014/main" id="{32B11F42-A7B9-0F12-498D-91FB523E4E5B}"/>
               </a:ext>
             </a:extLst>
           </p:cNvPr>
@@ -2507,7 +2507,7 @@
           <p:cNvPr id="3" name="图片占位符 2">
             <a:extLst>
               <a:ext uri="{FF2B5EF4-FFF2-40B4-BE49-F238E27FC236}">
-                <a16:creationId xmlns:a16="http://schemas.microsoft.com/office/drawing/2014/main" id="{D855FBBF-052B-2FD0-B2D2-4C7D2EC0B381}"/>
+                <a16:creationId xmlns:a16="http://schemas.microsoft.com/office/drawing/2014/main" id="{D70FB9E6-4A66-13E3-CA37-E5ED607A1E81}"/>
               </a:ext>
             </a:extLst>
           </p:cNvPr>
@@ -2574,7 +2574,7 @@
           <p:cNvPr id="4" name="文本占位符 3">
             <a:extLst>
               <a:ext uri="{FF2B5EF4-FFF2-40B4-BE49-F238E27FC236}">
-                <a16:creationId xmlns:a16="http://schemas.microsoft.com/office/drawing/2014/main" id="{FBA1CED1-DD59-DAE9-F465-3F03CE811602}"/>
+                <a16:creationId xmlns:a16="http://schemas.microsoft.com/office/drawing/2014/main" id="{EBCA45BB-234E-8B86-9A33-24D1A42F2E38}"/>
               </a:ext>
             </a:extLst>
           </p:cNvPr>
@@ -2645,7 +2645,7 @@
           <p:cNvPr id="5" name="日期占位符 4">
             <a:extLst>
               <a:ext uri="{FF2B5EF4-FFF2-40B4-BE49-F238E27FC236}">
-                <a16:creationId xmlns:a16="http://schemas.microsoft.com/office/drawing/2014/main" id="{7C58CF95-C52E-BA18-C02C-FAFB896D6862}"/>
+                <a16:creationId xmlns:a16="http://schemas.microsoft.com/office/drawing/2014/main" id="{DDDA048A-A0DD-A67A-AD91-F21B159258F3}"/>
               </a:ext>
             </a:extLst>
           </p:cNvPr>
@@ -2661,7 +2661,7 @@
           <a:bodyPr/>
           <a:lstStyle/>
           <a:p>
-            <a:fld id="{77D8F260-A119-404A-B40D-B08D41C7691C}" type="datetimeFigureOut">
+            <a:fld id="{32465324-A4DC-4B9D-A1D4-07D4A38D65E2}" type="datetimeFigureOut">
               <a:rPr lang="zh-CN" altLang="en-US" smtClean="0"/>
               <a:t>2024/3/10</a:t>
             </a:fld>
@@ -2674,7 +2674,7 @@
           <p:cNvPr id="6" name="页脚占位符 5">
             <a:extLst>
               <a:ext uri="{FF2B5EF4-FFF2-40B4-BE49-F238E27FC236}">
-                <a16:creationId xmlns:a16="http://schemas.microsoft.com/office/drawing/2014/main" id="{718C508C-4E42-7707-BE3C-9CBB14933C75}"/>
+                <a16:creationId xmlns:a16="http://schemas.microsoft.com/office/drawing/2014/main" id="{15278C5B-6571-82A2-20EB-AF8C6512F61F}"/>
               </a:ext>
             </a:extLst>
           </p:cNvPr>
@@ -2699,7 +2699,7 @@
           <p:cNvPr id="7" name="灯片编号占位符 6">
             <a:extLst>
               <a:ext uri="{FF2B5EF4-FFF2-40B4-BE49-F238E27FC236}">
-                <a16:creationId xmlns:a16="http://schemas.microsoft.com/office/drawing/2014/main" id="{ABCF3FF9-0403-0438-8BD5-DA32C2BFAFF6}"/>
+                <a16:creationId xmlns:a16="http://schemas.microsoft.com/office/drawing/2014/main" id="{9391C2DE-D4C0-383C-EB29-664CFCC53269}"/>
               </a:ext>
             </a:extLst>
           </p:cNvPr>
@@ -2715,7 +2715,7 @@
           <a:bodyPr/>
           <a:lstStyle/>
           <a:p>
-            <a:fld id="{5A05DAF9-17DB-46BD-9810-3CB99CEDB5BA}" type="slidenum">
+            <a:fld id="{8100F979-397A-45B7-8257-9C9ECCC974C7}" type="slidenum">
               <a:rPr lang="zh-CN" altLang="en-US" smtClean="0"/>
               <a:t>‹#›</a:t>
             </a:fld>
@@ -2726,7 +2726,7 @@
     </p:spTree>
     <p:extLst>
       <p:ext uri="{BB962C8B-B14F-4D97-AF65-F5344CB8AC3E}">
-        <p14:creationId xmlns:p14="http://schemas.microsoft.com/office/powerpoint/2010/main" val="3948790970"/>
+        <p14:creationId xmlns:p14="http://schemas.microsoft.com/office/powerpoint/2010/main" val="217380415"/>
       </p:ext>
     </p:extLst>
   </p:cSld>
@@ -2763,7 +2763,7 @@
           <p:cNvPr id="2" name="标题占位符 1">
             <a:extLst>
               <a:ext uri="{FF2B5EF4-FFF2-40B4-BE49-F238E27FC236}">
-                <a16:creationId xmlns:a16="http://schemas.microsoft.com/office/drawing/2014/main" id="{FF226527-51C5-A23C-B9CC-1B1F1EEE37AF}"/>
+                <a16:creationId xmlns:a16="http://schemas.microsoft.com/office/drawing/2014/main" id="{18DDAC26-5CAC-E84F-BC10-6F728324BB72}"/>
               </a:ext>
             </a:extLst>
           </p:cNvPr>
@@ -2801,7 +2801,7 @@
           <p:cNvPr id="3" name="文本占位符 2">
             <a:extLst>
               <a:ext uri="{FF2B5EF4-FFF2-40B4-BE49-F238E27FC236}">
-                <a16:creationId xmlns:a16="http://schemas.microsoft.com/office/drawing/2014/main" id="{4187E9BB-CF56-D461-9FB4-3C6192EAB338}"/>
+                <a16:creationId xmlns:a16="http://schemas.microsoft.com/office/drawing/2014/main" id="{2CADBA4F-939C-DD3C-9FE7-D3E3128B32A6}"/>
               </a:ext>
             </a:extLst>
           </p:cNvPr>
@@ -2868,7 +2868,7 @@
           <p:cNvPr id="4" name="日期占位符 3">
             <a:extLst>
               <a:ext uri="{FF2B5EF4-FFF2-40B4-BE49-F238E27FC236}">
-                <a16:creationId xmlns:a16="http://schemas.microsoft.com/office/drawing/2014/main" id="{40D928D2-F279-7B8B-EA26-A25B74CE9A63}"/>
+                <a16:creationId xmlns:a16="http://schemas.microsoft.com/office/drawing/2014/main" id="{2E40D0CF-272D-0AB5-027A-9A159F9DE714}"/>
               </a:ext>
             </a:extLst>
           </p:cNvPr>
@@ -2902,7 +2902,7 @@
             </a:lvl1pPr>
           </a:lstStyle>
           <a:p>
-            <a:fld id="{77D8F260-A119-404A-B40D-B08D41C7691C}" type="datetimeFigureOut">
+            <a:fld id="{32465324-A4DC-4B9D-A1D4-07D4A38D65E2}" type="datetimeFigureOut">
               <a:rPr lang="zh-CN" altLang="en-US" smtClean="0"/>
               <a:t>2024/3/10</a:t>
             </a:fld>
@@ -2915,7 +2915,7 @@
           <p:cNvPr id="5" name="页脚占位符 4">
             <a:extLst>
               <a:ext uri="{FF2B5EF4-FFF2-40B4-BE49-F238E27FC236}">
-                <a16:creationId xmlns:a16="http://schemas.microsoft.com/office/drawing/2014/main" id="{987F8BEC-8CC2-0FE0-C00D-539B8B052137}"/>
+                <a16:creationId xmlns:a16="http://schemas.microsoft.com/office/drawing/2014/main" id="{3FD9B763-2284-75F0-370F-A89BE5398B87}"/>
               </a:ext>
             </a:extLst>
           </p:cNvPr>
@@ -2958,7 +2958,7 @@
           <p:cNvPr id="6" name="灯片编号占位符 5">
             <a:extLst>
               <a:ext uri="{FF2B5EF4-FFF2-40B4-BE49-F238E27FC236}">
-                <a16:creationId xmlns:a16="http://schemas.microsoft.com/office/drawing/2014/main" id="{9997A4C4-B078-54FE-D1F7-38ABF3C1346F}"/>
+                <a16:creationId xmlns:a16="http://schemas.microsoft.com/office/drawing/2014/main" id="{05E4F49D-5EA6-03F4-90B8-FA96B822B1E3}"/>
               </a:ext>
             </a:extLst>
           </p:cNvPr>
@@ -2992,7 +2992,7 @@
             </a:lvl1pPr>
           </a:lstStyle>
           <a:p>
-            <a:fld id="{5A05DAF9-17DB-46BD-9810-3CB99CEDB5BA}" type="slidenum">
+            <a:fld id="{8100F979-397A-45B7-8257-9C9ECCC974C7}" type="slidenum">
               <a:rPr lang="zh-CN" altLang="en-US" smtClean="0"/>
               <a:t>‹#›</a:t>
             </a:fld>
@@ -3003,7 +3003,7 @@
     </p:spTree>
     <p:extLst>
       <p:ext uri="{BB962C8B-B14F-4D97-AF65-F5344CB8AC3E}">
-        <p14:creationId xmlns:p14="http://schemas.microsoft.com/office/powerpoint/2010/main" val="2071954187"/>
+        <p14:creationId xmlns:p14="http://schemas.microsoft.com/office/powerpoint/2010/main" val="1560097462"/>
       </p:ext>
     </p:extLst>
   </p:cSld>
